--- a/깃허브(GitHub).pptx
+++ b/깃허브(GitHub).pptx
@@ -8979,7 +8979,19 @@
             </a:r>
             <a:r>
               <a:rPr lang="ko-KR" altLang="en-US" dirty="0" smtClean="0"/>
-              <a:t> 개발에 이용하려고 최고 개발 및 사용</a:t>
+              <a:t> 개발에 </a:t>
+            </a:r>
+            <a:r>
+              <a:rPr lang="ko-KR" altLang="en-US" smtClean="0"/>
+              <a:t>이용하려고 </a:t>
+            </a:r>
+            <a:r>
+              <a:rPr lang="ko-KR" altLang="en-US" smtClean="0"/>
+              <a:t>최초 </a:t>
+            </a:r>
+            <a:r>
+              <a:rPr lang="ko-KR" altLang="en-US" dirty="0" smtClean="0"/>
+              <a:t>개발 및 사용</a:t>
             </a:r>
             <a:endParaRPr lang="en-US" altLang="ko-KR" dirty="0" smtClean="0"/>
           </a:p>
@@ -10006,7 +10018,6 @@
               <a:rPr lang="en-US" altLang="ko-KR" dirty="0" smtClean="0"/>
               <a:t>…</a:t>
             </a:r>
-            <a:endParaRPr lang="en-US" altLang="ko-KR" dirty="0" smtClean="0"/>
           </a:p>
           <a:p>
             <a:endParaRPr lang="en-US" altLang="ko-KR" dirty="0" smtClean="0"/>
